--- a/課程投影片/天鈺基金會科技競賽_Lession1_VA8801_MB_Introduction.pptx
+++ b/課程投影片/天鈺基金會科技競賽_Lession1_VA8801_MB_Introduction.pptx
@@ -5,26 +5,27 @@
     <p:sldMasterId id="2147483648" r:id="rId1"/>
   </p:sldMasterIdLst>
   <p:notesMasterIdLst>
-    <p:notesMasterId r:id="rId19"/>
+    <p:notesMasterId r:id="rId20"/>
   </p:notesMasterIdLst>
   <p:sldIdLst>
     <p:sldId id="1293" r:id="rId2"/>
     <p:sldId id="1289" r:id="rId3"/>
     <p:sldId id="734" r:id="rId4"/>
-    <p:sldId id="1291" r:id="rId5"/>
-    <p:sldId id="1295" r:id="rId6"/>
-    <p:sldId id="1296" r:id="rId7"/>
-    <p:sldId id="1305" r:id="rId8"/>
-    <p:sldId id="1292" r:id="rId9"/>
-    <p:sldId id="1294" r:id="rId10"/>
-    <p:sldId id="1299" r:id="rId11"/>
-    <p:sldId id="1300" r:id="rId12"/>
-    <p:sldId id="1301" r:id="rId13"/>
-    <p:sldId id="1298" r:id="rId14"/>
-    <p:sldId id="1297" r:id="rId15"/>
-    <p:sldId id="1302" r:id="rId16"/>
-    <p:sldId id="1303" r:id="rId17"/>
-    <p:sldId id="1304" r:id="rId18"/>
+    <p:sldId id="1306" r:id="rId5"/>
+    <p:sldId id="1291" r:id="rId6"/>
+    <p:sldId id="1295" r:id="rId7"/>
+    <p:sldId id="1296" r:id="rId8"/>
+    <p:sldId id="1305" r:id="rId9"/>
+    <p:sldId id="1292" r:id="rId10"/>
+    <p:sldId id="1294" r:id="rId11"/>
+    <p:sldId id="1299" r:id="rId12"/>
+    <p:sldId id="1300" r:id="rId13"/>
+    <p:sldId id="1301" r:id="rId14"/>
+    <p:sldId id="1298" r:id="rId15"/>
+    <p:sldId id="1297" r:id="rId16"/>
+    <p:sldId id="1302" r:id="rId17"/>
+    <p:sldId id="1303" r:id="rId18"/>
+    <p:sldId id="1304" r:id="rId19"/>
   </p:sldIdLst>
   <p:sldSz cx="9144000" cy="5143500" type="screen16x9"/>
   <p:notesSz cx="6858000" cy="9144000"/>
@@ -225,7 +226,7 @@
             <a:fld id="{152BA447-B865-45EA-B12A-50D52DA72729}" type="datetimeFigureOut">
               <a:rPr lang="zh-TW" altLang="en-US" smtClean="0"/>
               <a:pPr/>
-              <a:t>2024/6/4</a:t>
+              <a:t>2024/6/17</a:t>
             </a:fld>
             <a:endParaRPr lang="zh-TW" altLang="en-US"/>
           </a:p>
@@ -5427,10 +5428,10 @@
       </p:sp>
       <p:pic>
         <p:nvPicPr>
-          <p:cNvPr id="6" name="圖片 5">
+          <p:cNvPr id="5" name="圖片 4">
             <a:extLst>
               <a:ext uri="{FF2B5EF4-FFF2-40B4-BE49-F238E27FC236}">
-                <a16:creationId xmlns:a16="http://schemas.microsoft.com/office/drawing/2014/main" id="{0D4F0C36-4E41-4E71-97B9-B2E9113F7F81}"/>
+                <a16:creationId xmlns:a16="http://schemas.microsoft.com/office/drawing/2014/main" id="{A0414EA6-2AFE-460E-B904-7223A12A490C}"/>
               </a:ext>
             </a:extLst>
           </p:cNvPr>
@@ -5447,8 +5448,8 @@
         </p:blipFill>
         <p:spPr>
           <a:xfrm>
-            <a:off x="1115616" y="843558"/>
-            <a:ext cx="6164041" cy="3723878"/>
+            <a:off x="827584" y="704334"/>
+            <a:ext cx="6552728" cy="3734831"/>
           </a:xfrm>
           <a:prstGeom prst="rect">
             <a:avLst/>
@@ -5458,7 +5459,7 @@
     </p:spTree>
     <p:extLst>
       <p:ext uri="{BB962C8B-B14F-4D97-AF65-F5344CB8AC3E}">
-        <p14:creationId xmlns:p14="http://schemas.microsoft.com/office/powerpoint/2010/main" val="1573167230"/>
+        <p14:creationId xmlns:p14="http://schemas.microsoft.com/office/powerpoint/2010/main" val="4156435739"/>
       </p:ext>
     </p:extLst>
   </p:cSld>
@@ -5596,10 +5597,10 @@
               <a:t> </a:t>
             </a:r>
             <a:r>
-              <a:rPr lang="en-US" altLang="zh-TW" sz="1400" dirty="0">
+              <a:rPr lang="zh-TW" altLang="en-US" dirty="0">
                 <a:hlinkClick r:id="rId2"/>
               </a:rPr>
-              <a:t>https://github.com/FITI-HCITA/VA8801_Model_Zoo/tree/main/ObjectDetection</a:t>
+              <a:t>https://github.com/FITI-HCITA/VA8801_Model_Zoo/</a:t>
             </a:r>
             <a:endParaRPr lang="zh-TW" altLang="en-US" dirty="0"/>
           </a:p>
@@ -5607,10 +5608,10 @@
       </p:sp>
       <p:pic>
         <p:nvPicPr>
-          <p:cNvPr id="7" name="圖片 6">
+          <p:cNvPr id="6" name="圖片 5">
             <a:extLst>
               <a:ext uri="{FF2B5EF4-FFF2-40B4-BE49-F238E27FC236}">
-                <a16:creationId xmlns:a16="http://schemas.microsoft.com/office/drawing/2014/main" id="{A3CD36CB-FA2E-47CA-B9C3-B4DD4E503C35}"/>
+                <a16:creationId xmlns:a16="http://schemas.microsoft.com/office/drawing/2014/main" id="{0D4F0C36-4E41-4E71-97B9-B2E9113F7F81}"/>
               </a:ext>
             </a:extLst>
           </p:cNvPr>
@@ -5627,8 +5628,8 @@
         </p:blipFill>
         <p:spPr>
           <a:xfrm>
-            <a:off x="1043608" y="1347971"/>
-            <a:ext cx="6662682" cy="2524264"/>
+            <a:off x="1115616" y="843558"/>
+            <a:ext cx="6164041" cy="3723878"/>
           </a:xfrm>
           <a:prstGeom prst="rect">
             <a:avLst/>
@@ -5638,7 +5639,7 @@
     </p:spTree>
     <p:extLst>
       <p:ext uri="{BB962C8B-B14F-4D97-AF65-F5344CB8AC3E}">
-        <p14:creationId xmlns:p14="http://schemas.microsoft.com/office/powerpoint/2010/main" val="427243750"/>
+        <p14:creationId xmlns:p14="http://schemas.microsoft.com/office/powerpoint/2010/main" val="1573167230"/>
       </p:ext>
     </p:extLst>
   </p:cSld>
@@ -5754,8 +5755,8 @@
         </p:nvSpPr>
         <p:spPr>
           <a:xfrm>
-            <a:off x="683568" y="4578670"/>
-            <a:ext cx="8322084" cy="369332"/>
+            <a:off x="1259632" y="4646481"/>
+            <a:ext cx="7128792" cy="369332"/>
           </a:xfrm>
           <a:prstGeom prst="rect">
             <a:avLst/>
@@ -5779,7 +5780,7 @@
               <a:rPr lang="en-US" altLang="zh-TW" sz="1400" dirty="0">
                 <a:hlinkClick r:id="rId2"/>
               </a:rPr>
-              <a:t>https://github.com/FITI-HCITA/VA8801_Model_Zoo/tree/main/ObjectDetection/Face_Detection/Yolo</a:t>
+              <a:t>https://github.com/FITI-HCITA/VA8801_Model_Zoo/tree/main/ObjectDetection</a:t>
             </a:r>
             <a:endParaRPr lang="zh-TW" altLang="en-US" dirty="0"/>
           </a:p>
@@ -5787,10 +5788,10 @@
       </p:sp>
       <p:pic>
         <p:nvPicPr>
-          <p:cNvPr id="5" name="圖片 4">
+          <p:cNvPr id="7" name="圖片 6">
             <a:extLst>
               <a:ext uri="{FF2B5EF4-FFF2-40B4-BE49-F238E27FC236}">
-                <a16:creationId xmlns:a16="http://schemas.microsoft.com/office/drawing/2014/main" id="{FEDDAD2F-7A6C-4657-8D7D-1FB188FDB294}"/>
+                <a16:creationId xmlns:a16="http://schemas.microsoft.com/office/drawing/2014/main" id="{A3CD36CB-FA2E-47CA-B9C3-B4DD4E503C35}"/>
               </a:ext>
             </a:extLst>
           </p:cNvPr>
@@ -5807,8 +5808,8 @@
         </p:blipFill>
         <p:spPr>
           <a:xfrm>
-            <a:off x="1691680" y="769793"/>
-            <a:ext cx="4752528" cy="3680620"/>
+            <a:off x="1043608" y="1347971"/>
+            <a:ext cx="6662682" cy="2524264"/>
           </a:xfrm>
           <a:prstGeom prst="rect">
             <a:avLst/>
@@ -5818,7 +5819,7 @@
     </p:spTree>
     <p:extLst>
       <p:ext uri="{BB962C8B-B14F-4D97-AF65-F5344CB8AC3E}">
-        <p14:creationId xmlns:p14="http://schemas.microsoft.com/office/powerpoint/2010/main" val="2168721077"/>
+        <p14:creationId xmlns:p14="http://schemas.microsoft.com/office/powerpoint/2010/main" val="427243750"/>
       </p:ext>
     </p:extLst>
   </p:cSld>
@@ -5876,7 +5877,15 @@
             </a:r>
             <a:r>
               <a:rPr lang="en-US" altLang="zh-TW" dirty="0"/>
-              <a:t>Developing</a:t>
+              <a:t>Model</a:t>
+            </a:r>
+            <a:r>
+              <a:rPr lang="zh-TW" altLang="en-US" dirty="0"/>
+              <a:t> </a:t>
+            </a:r>
+            <a:r>
+              <a:rPr lang="en-US" altLang="zh-TW" dirty="0"/>
+              <a:t>Zoo</a:t>
             </a:r>
             <a:endParaRPr lang="zh-TW" altLang="en-US" dirty="0"/>
           </a:p>
@@ -5907,6 +5916,178 @@
               <a:rPr lang="zh-TW" altLang="en-US" smtClean="0"/>
               <a:pPr/>
               <a:t>13</a:t>
+            </a:fld>
+            <a:endParaRPr lang="zh-TW" altLang="en-US" dirty="0"/>
+          </a:p>
+        </p:txBody>
+      </p:sp>
+      <p:sp>
+        <p:nvSpPr>
+          <p:cNvPr id="4" name="矩形 3">
+            <a:extLst>
+              <a:ext uri="{FF2B5EF4-FFF2-40B4-BE49-F238E27FC236}">
+                <a16:creationId xmlns:a16="http://schemas.microsoft.com/office/drawing/2014/main" id="{590A9D81-0486-466E-9265-BFFA05D30532}"/>
+              </a:ext>
+            </a:extLst>
+          </p:cNvPr>
+          <p:cNvSpPr/>
+          <p:nvPr/>
+        </p:nvSpPr>
+        <p:spPr>
+          <a:xfrm>
+            <a:off x="683568" y="4578670"/>
+            <a:ext cx="8322084" cy="369332"/>
+          </a:xfrm>
+          <a:prstGeom prst="rect">
+            <a:avLst/>
+          </a:prstGeom>
+        </p:spPr>
+        <p:txBody>
+          <a:bodyPr wrap="square">
+            <a:spAutoFit/>
+          </a:bodyPr>
+          <a:lstStyle/>
+          <a:p>
+            <a:r>
+              <a:rPr lang="en-US" altLang="zh-TW" dirty="0"/>
+              <a:t>URL:</a:t>
+            </a:r>
+            <a:r>
+              <a:rPr lang="zh-TW" altLang="en-US" dirty="0"/>
+              <a:t> </a:t>
+            </a:r>
+            <a:r>
+              <a:rPr lang="en-US" altLang="zh-TW" sz="1400" dirty="0">
+                <a:hlinkClick r:id="rId2"/>
+              </a:rPr>
+              <a:t>https://github.com/FITI-HCITA/VA8801_Model_Zoo/tree/main/ObjectDetection/Face_Detection/Yolo</a:t>
+            </a:r>
+            <a:endParaRPr lang="zh-TW" altLang="en-US" dirty="0"/>
+          </a:p>
+        </p:txBody>
+      </p:sp>
+      <p:pic>
+        <p:nvPicPr>
+          <p:cNvPr id="5" name="圖片 4">
+            <a:extLst>
+              <a:ext uri="{FF2B5EF4-FFF2-40B4-BE49-F238E27FC236}">
+                <a16:creationId xmlns:a16="http://schemas.microsoft.com/office/drawing/2014/main" id="{FEDDAD2F-7A6C-4657-8D7D-1FB188FDB294}"/>
+              </a:ext>
+            </a:extLst>
+          </p:cNvPr>
+          <p:cNvPicPr>
+            <a:picLocks noChangeAspect="1"/>
+          </p:cNvPicPr>
+          <p:nvPr/>
+        </p:nvPicPr>
+        <p:blipFill>
+          <a:blip r:embed="rId3"/>
+          <a:stretch>
+            <a:fillRect/>
+          </a:stretch>
+        </p:blipFill>
+        <p:spPr>
+          <a:xfrm>
+            <a:off x="1691680" y="769793"/>
+            <a:ext cx="4752528" cy="3680620"/>
+          </a:xfrm>
+          <a:prstGeom prst="rect">
+            <a:avLst/>
+          </a:prstGeom>
+        </p:spPr>
+      </p:pic>
+    </p:spTree>
+    <p:extLst>
+      <p:ext uri="{BB962C8B-B14F-4D97-AF65-F5344CB8AC3E}">
+        <p14:creationId xmlns:p14="http://schemas.microsoft.com/office/powerpoint/2010/main" val="2168721077"/>
+      </p:ext>
+    </p:extLst>
+  </p:cSld>
+  <p:clrMapOvr>
+    <a:masterClrMapping/>
+  </p:clrMapOvr>
+</p:sld>
+</file>
+
+<file path=ppt/slides/slide14.xml><?xml version="1.0" encoding="utf-8"?>
+<p:sld xmlns:a="http://schemas.openxmlformats.org/drawingml/2006/main" xmlns:r="http://schemas.openxmlformats.org/officeDocument/2006/relationships" xmlns:p="http://schemas.openxmlformats.org/presentationml/2006/main">
+  <p:cSld>
+    <p:spTree>
+      <p:nvGrpSpPr>
+        <p:cNvPr id="1" name=""/>
+        <p:cNvGrpSpPr/>
+        <p:nvPr/>
+      </p:nvGrpSpPr>
+      <p:grpSpPr>
+        <a:xfrm>
+          <a:off x="0" y="0"/>
+          <a:ext cx="0" cy="0"/>
+          <a:chOff x="0" y="0"/>
+          <a:chExt cx="0" cy="0"/>
+        </a:xfrm>
+      </p:grpSpPr>
+      <p:sp>
+        <p:nvSpPr>
+          <p:cNvPr id="2" name="標題 1">
+            <a:extLst>
+              <a:ext uri="{FF2B5EF4-FFF2-40B4-BE49-F238E27FC236}">
+                <a16:creationId xmlns:a16="http://schemas.microsoft.com/office/drawing/2014/main" id="{67D3CE9D-1E17-4672-B79D-737D1B68E8C1}"/>
+              </a:ext>
+            </a:extLst>
+          </p:cNvPr>
+          <p:cNvSpPr>
+            <a:spLocks noGrp="1"/>
+          </p:cNvSpPr>
+          <p:nvPr>
+            <p:ph type="title"/>
+          </p:nvPr>
+        </p:nvSpPr>
+        <p:spPr/>
+        <p:txBody>
+          <a:bodyPr/>
+          <a:lstStyle/>
+          <a:p>
+            <a:r>
+              <a:rPr lang="en-US" altLang="zh-TW" dirty="0"/>
+              <a:t>VA8801</a:t>
+            </a:r>
+            <a:r>
+              <a:rPr lang="zh-TW" altLang="en-US" dirty="0"/>
+              <a:t> </a:t>
+            </a:r>
+            <a:r>
+              <a:rPr lang="en-US" altLang="zh-TW" dirty="0"/>
+              <a:t>Developing</a:t>
+            </a:r>
+            <a:endParaRPr lang="zh-TW" altLang="en-US" dirty="0"/>
+          </a:p>
+        </p:txBody>
+      </p:sp>
+      <p:sp>
+        <p:nvSpPr>
+          <p:cNvPr id="3" name="投影片編號版面配置區 2">
+            <a:extLst>
+              <a:ext uri="{FF2B5EF4-FFF2-40B4-BE49-F238E27FC236}">
+                <a16:creationId xmlns:a16="http://schemas.microsoft.com/office/drawing/2014/main" id="{9127E7B2-81A2-497F-8226-DCA555FEF7BE}"/>
+              </a:ext>
+            </a:extLst>
+          </p:cNvPr>
+          <p:cNvSpPr>
+            <a:spLocks noGrp="1"/>
+          </p:cNvSpPr>
+          <p:nvPr>
+            <p:ph type="sldNum" sz="quarter" idx="12"/>
+          </p:nvPr>
+        </p:nvSpPr>
+        <p:spPr/>
+        <p:txBody>
+          <a:bodyPr/>
+          <a:lstStyle/>
+          <a:p>
+            <a:fld id="{73DA0BB7-265A-403C-9275-D587AB510EDC}" type="slidenum">
+              <a:rPr lang="zh-TW" altLang="en-US" smtClean="0"/>
+              <a:pPr/>
+              <a:t>14</a:t>
             </a:fld>
             <a:endParaRPr lang="zh-TW" altLang="en-US" dirty="0"/>
           </a:p>
@@ -6030,7 +6211,7 @@
 </p:sld>
 </file>
 
-<file path=ppt/slides/slide14.xml><?xml version="1.0" encoding="utf-8"?>
+<file path=ppt/slides/slide15.xml><?xml version="1.0" encoding="utf-8"?>
 <p:sld xmlns:a="http://schemas.openxmlformats.org/drawingml/2006/main" xmlns:r="http://schemas.openxmlformats.org/officeDocument/2006/relationships" xmlns:p="http://schemas.openxmlformats.org/presentationml/2006/main">
   <p:cSld>
     <p:spTree>
@@ -6124,7 +6305,7 @@
             <a:fld id="{73DA0BB7-265A-403C-9275-D587AB510EDC}" type="slidenum">
               <a:rPr lang="zh-TW" altLang="en-US" smtClean="0"/>
               <a:pPr/>
-              <a:t>14</a:t>
+              <a:t>15</a:t>
             </a:fld>
             <a:endParaRPr lang="zh-TW" altLang="en-US" dirty="0"/>
           </a:p>
@@ -6401,7 +6582,7 @@
 </p:sld>
 </file>
 
-<file path=ppt/slides/slide15.xml><?xml version="1.0" encoding="utf-8"?>
+<file path=ppt/slides/slide16.xml><?xml version="1.0" encoding="utf-8"?>
 <p:sld xmlns:a="http://schemas.openxmlformats.org/drawingml/2006/main" xmlns:r="http://schemas.openxmlformats.org/officeDocument/2006/relationships" xmlns:p="http://schemas.openxmlformats.org/presentationml/2006/main">
   <p:cSld>
     <p:spTree>
@@ -6503,7 +6684,7 @@
             <a:fld id="{73DA0BB7-265A-403C-9275-D587AB510EDC}" type="slidenum">
               <a:rPr lang="zh-TW" altLang="en-US" smtClean="0"/>
               <a:pPr/>
-              <a:t>15</a:t>
+              <a:t>16</a:t>
             </a:fld>
             <a:endParaRPr lang="zh-TW" altLang="en-US" dirty="0"/>
           </a:p>
@@ -6597,7 +6778,7 @@
 </p:sld>
 </file>
 
-<file path=ppt/slides/slide16.xml><?xml version="1.0" encoding="utf-8"?>
+<file path=ppt/slides/slide17.xml><?xml version="1.0" encoding="utf-8"?>
 <p:sld xmlns:a="http://schemas.openxmlformats.org/drawingml/2006/main" xmlns:r="http://schemas.openxmlformats.org/officeDocument/2006/relationships" xmlns:p="http://schemas.openxmlformats.org/presentationml/2006/main">
   <p:cSld>
     <p:spTree>
@@ -6675,7 +6856,7 @@
             <a:fld id="{73DA0BB7-265A-403C-9275-D587AB510EDC}" type="slidenum">
               <a:rPr lang="zh-TW" altLang="en-US" smtClean="0"/>
               <a:pPr/>
-              <a:t>16</a:t>
+              <a:t>17</a:t>
             </a:fld>
             <a:endParaRPr lang="zh-TW" altLang="en-US" dirty="0"/>
           </a:p>
@@ -6769,7 +6950,7 @@
 </p:sld>
 </file>
 
-<file path=ppt/slides/slide17.xml><?xml version="1.0" encoding="utf-8"?>
+<file path=ppt/slides/slide18.xml><?xml version="1.0" encoding="utf-8"?>
 <p:sld xmlns:a="http://schemas.openxmlformats.org/drawingml/2006/main" xmlns:r="http://schemas.openxmlformats.org/officeDocument/2006/relationships" xmlns:p="http://schemas.openxmlformats.org/presentationml/2006/main">
   <p:cSld>
     <p:spTree>
@@ -6839,7 +7020,7 @@
             <a:fld id="{73DA0BB7-265A-403C-9275-D587AB510EDC}" type="slidenum">
               <a:rPr lang="zh-TW" altLang="en-US" smtClean="0"/>
               <a:pPr/>
-              <a:t>17</a:t>
+              <a:t>18</a:t>
             </a:fld>
             <a:endParaRPr lang="zh-TW" altLang="en-US" dirty="0"/>
           </a:p>
@@ -13934,6 +14115,224 @@
           <p:cNvPr id="2" name="標題 1">
             <a:extLst>
               <a:ext uri="{FF2B5EF4-FFF2-40B4-BE49-F238E27FC236}">
+                <a16:creationId xmlns:a16="http://schemas.microsoft.com/office/drawing/2014/main" id="{67D3CE9D-1E17-4672-B79D-737D1B68E8C1}"/>
+              </a:ext>
+            </a:extLst>
+          </p:cNvPr>
+          <p:cNvSpPr>
+            <a:spLocks noGrp="1"/>
+          </p:cNvSpPr>
+          <p:nvPr>
+            <p:ph type="title"/>
+          </p:nvPr>
+        </p:nvSpPr>
+        <p:spPr/>
+        <p:txBody>
+          <a:bodyPr/>
+          <a:lstStyle/>
+          <a:p>
+            <a:r>
+              <a:rPr lang="en-US" altLang="zh-TW" dirty="0"/>
+              <a:t>2024</a:t>
+            </a:r>
+            <a:r>
+              <a:rPr lang="zh-TW" altLang="en-US" dirty="0"/>
+              <a:t> </a:t>
+            </a:r>
+            <a:r>
+              <a:rPr lang="en-US" altLang="zh-TW" dirty="0"/>
+              <a:t>AI</a:t>
+            </a:r>
+            <a:r>
+              <a:rPr lang="zh-TW" altLang="en-US" dirty="0"/>
+              <a:t> </a:t>
+            </a:r>
+            <a:r>
+              <a:rPr lang="en-US" altLang="zh-TW" dirty="0"/>
+              <a:t>Competition</a:t>
+            </a:r>
+            <a:r>
+              <a:rPr lang="zh-TW" altLang="en-US" dirty="0"/>
+              <a:t> </a:t>
+            </a:r>
+            <a:r>
+              <a:rPr lang="en-US" altLang="zh-TW" dirty="0" err="1"/>
+              <a:t>Github</a:t>
+            </a:r>
+            <a:endParaRPr lang="zh-TW" altLang="en-US" dirty="0"/>
+          </a:p>
+        </p:txBody>
+      </p:sp>
+      <p:sp>
+        <p:nvSpPr>
+          <p:cNvPr id="3" name="投影片編號版面配置區 2">
+            <a:extLst>
+              <a:ext uri="{FF2B5EF4-FFF2-40B4-BE49-F238E27FC236}">
+                <a16:creationId xmlns:a16="http://schemas.microsoft.com/office/drawing/2014/main" id="{9127E7B2-81A2-497F-8226-DCA555FEF7BE}"/>
+              </a:ext>
+            </a:extLst>
+          </p:cNvPr>
+          <p:cNvSpPr>
+            <a:spLocks noGrp="1"/>
+          </p:cNvSpPr>
+          <p:nvPr>
+            <p:ph type="sldNum" sz="quarter" idx="12"/>
+          </p:nvPr>
+        </p:nvSpPr>
+        <p:spPr/>
+        <p:txBody>
+          <a:bodyPr/>
+          <a:lstStyle/>
+          <a:p>
+            <a:fld id="{73DA0BB7-265A-403C-9275-D587AB510EDC}" type="slidenum">
+              <a:rPr lang="zh-TW" altLang="en-US" smtClean="0"/>
+              <a:pPr/>
+              <a:t>4</a:t>
+            </a:fld>
+            <a:endParaRPr lang="zh-TW" altLang="en-US" dirty="0"/>
+          </a:p>
+        </p:txBody>
+      </p:sp>
+      <p:sp>
+        <p:nvSpPr>
+          <p:cNvPr id="4" name="矩形 3">
+            <a:extLst>
+              <a:ext uri="{FF2B5EF4-FFF2-40B4-BE49-F238E27FC236}">
+                <a16:creationId xmlns:a16="http://schemas.microsoft.com/office/drawing/2014/main" id="{590A9D81-0486-466E-9265-BFFA05D30532}"/>
+              </a:ext>
+            </a:extLst>
+          </p:cNvPr>
+          <p:cNvSpPr/>
+          <p:nvPr/>
+        </p:nvSpPr>
+        <p:spPr>
+          <a:xfrm>
+            <a:off x="1259632" y="4646481"/>
+            <a:ext cx="7128792" cy="369332"/>
+          </a:xfrm>
+          <a:prstGeom prst="rect">
+            <a:avLst/>
+          </a:prstGeom>
+        </p:spPr>
+        <p:txBody>
+          <a:bodyPr wrap="square">
+            <a:spAutoFit/>
+          </a:bodyPr>
+          <a:lstStyle/>
+          <a:p>
+            <a:r>
+              <a:rPr lang="en-US" altLang="zh-TW" dirty="0"/>
+              <a:t>URL:</a:t>
+            </a:r>
+            <a:r>
+              <a:rPr lang="zh-TW" altLang="en-US" dirty="0"/>
+              <a:t> </a:t>
+            </a:r>
+            <a:r>
+              <a:rPr lang="en-US" altLang="zh-TW" dirty="0">
+                <a:hlinkClick r:id="rId2"/>
+              </a:rPr>
+              <a:t>https://github.com/FITI-HCITA/fitipower_sic_2024</a:t>
+            </a:r>
+            <a:endParaRPr lang="zh-TW" altLang="en-US" dirty="0"/>
+          </a:p>
+        </p:txBody>
+      </p:sp>
+      <p:pic>
+        <p:nvPicPr>
+          <p:cNvPr id="6" name="圖片 5">
+            <a:extLst>
+              <a:ext uri="{FF2B5EF4-FFF2-40B4-BE49-F238E27FC236}">
+                <a16:creationId xmlns:a16="http://schemas.microsoft.com/office/drawing/2014/main" id="{296F85A0-D5EA-4AC3-A7F9-A600C4B04C3F}"/>
+              </a:ext>
+            </a:extLst>
+          </p:cNvPr>
+          <p:cNvPicPr>
+            <a:picLocks noChangeAspect="1"/>
+          </p:cNvPicPr>
+          <p:nvPr/>
+        </p:nvPicPr>
+        <p:blipFill>
+          <a:blip r:embed="rId3"/>
+          <a:stretch>
+            <a:fillRect/>
+          </a:stretch>
+        </p:blipFill>
+        <p:spPr>
+          <a:xfrm>
+            <a:off x="323528" y="846503"/>
+            <a:ext cx="6408712" cy="3782841"/>
+          </a:xfrm>
+          <a:prstGeom prst="rect">
+            <a:avLst/>
+          </a:prstGeom>
+        </p:spPr>
+      </p:pic>
+      <p:pic>
+        <p:nvPicPr>
+          <p:cNvPr id="7" name="圖片 6">
+            <a:extLst>
+              <a:ext uri="{FF2B5EF4-FFF2-40B4-BE49-F238E27FC236}">
+                <a16:creationId xmlns:a16="http://schemas.microsoft.com/office/drawing/2014/main" id="{59B30743-78E3-466F-927D-CE5829F9C46E}"/>
+              </a:ext>
+            </a:extLst>
+          </p:cNvPr>
+          <p:cNvPicPr>
+            <a:picLocks noChangeAspect="1"/>
+          </p:cNvPicPr>
+          <p:nvPr/>
+        </p:nvPicPr>
+        <p:blipFill>
+          <a:blip r:embed="rId4"/>
+          <a:stretch>
+            <a:fillRect/>
+          </a:stretch>
+        </p:blipFill>
+        <p:spPr>
+          <a:xfrm>
+            <a:off x="6660232" y="1054532"/>
+            <a:ext cx="2270933" cy="3034436"/>
+          </a:xfrm>
+          <a:prstGeom prst="rect">
+            <a:avLst/>
+          </a:prstGeom>
+        </p:spPr>
+      </p:pic>
+    </p:spTree>
+    <p:extLst>
+      <p:ext uri="{BB962C8B-B14F-4D97-AF65-F5344CB8AC3E}">
+        <p14:creationId xmlns:p14="http://schemas.microsoft.com/office/powerpoint/2010/main" val="3638502567"/>
+      </p:ext>
+    </p:extLst>
+  </p:cSld>
+  <p:clrMapOvr>
+    <a:masterClrMapping/>
+  </p:clrMapOvr>
+</p:sld>
+</file>
+
+<file path=ppt/slides/slide5.xml><?xml version="1.0" encoding="utf-8"?>
+<p:sld xmlns:a="http://schemas.openxmlformats.org/drawingml/2006/main" xmlns:r="http://schemas.openxmlformats.org/officeDocument/2006/relationships" xmlns:p="http://schemas.openxmlformats.org/presentationml/2006/main">
+  <p:cSld>
+    <p:spTree>
+      <p:nvGrpSpPr>
+        <p:cNvPr id="1" name=""/>
+        <p:cNvGrpSpPr/>
+        <p:nvPr/>
+      </p:nvGrpSpPr>
+      <p:grpSpPr>
+        <a:xfrm>
+          <a:off x="0" y="0"/>
+          <a:ext cx="0" cy="0"/>
+          <a:chOff x="0" y="0"/>
+          <a:chExt cx="0" cy="0"/>
+        </a:xfrm>
+      </p:grpSpPr>
+      <p:sp>
+        <p:nvSpPr>
+          <p:cNvPr id="2" name="標題 1">
+            <a:extLst>
+              <a:ext uri="{FF2B5EF4-FFF2-40B4-BE49-F238E27FC236}">
                 <a16:creationId xmlns:a16="http://schemas.microsoft.com/office/drawing/2014/main" id="{2B117D77-E8D1-4F2E-912A-D212AC7127E1}"/>
               </a:ext>
             </a:extLst>
@@ -14008,7 +14407,7 @@
             <a:fld id="{73DA0BB7-265A-403C-9275-D587AB510EDC}" type="slidenum">
               <a:rPr lang="zh-TW" altLang="en-US" smtClean="0"/>
               <a:pPr/>
-              <a:t>4</a:t>
+              <a:t>5</a:t>
             </a:fld>
             <a:endParaRPr lang="zh-TW" altLang="en-US" dirty="0"/>
           </a:p>
@@ -14391,7 +14790,7 @@
 </p:sld>
 </file>
 
-<file path=ppt/slides/slide5.xml><?xml version="1.0" encoding="utf-8"?>
+<file path=ppt/slides/slide6.xml><?xml version="1.0" encoding="utf-8"?>
 <p:sld xmlns:a="http://schemas.openxmlformats.org/drawingml/2006/main" xmlns:r="http://schemas.openxmlformats.org/officeDocument/2006/relationships" xmlns:p="http://schemas.openxmlformats.org/presentationml/2006/main">
   <p:cSld>
     <p:spTree>
@@ -14487,7 +14886,7 @@
             <a:fld id="{73DA0BB7-265A-403C-9275-D587AB510EDC}" type="slidenum">
               <a:rPr lang="zh-TW" altLang="en-US" smtClean="0"/>
               <a:pPr/>
-              <a:t>5</a:t>
+              <a:t>6</a:t>
             </a:fld>
             <a:endParaRPr lang="zh-TW" altLang="en-US" dirty="0"/>
           </a:p>
@@ -15815,7 +16214,7 @@
 </p:sld>
 </file>
 
-<file path=ppt/slides/slide6.xml><?xml version="1.0" encoding="utf-8"?>
+<file path=ppt/slides/slide7.xml><?xml version="1.0" encoding="utf-8"?>
 <p:sld xmlns:a="http://schemas.openxmlformats.org/drawingml/2006/main" xmlns:r="http://schemas.openxmlformats.org/officeDocument/2006/relationships" xmlns:p="http://schemas.openxmlformats.org/presentationml/2006/main">
   <p:cSld>
     <p:spTree>
@@ -15888,7 +16287,7 @@
             <a:fld id="{73DA0BB7-265A-403C-9275-D587AB510EDC}" type="slidenum">
               <a:rPr lang="zh-TW" altLang="en-US" smtClean="0"/>
               <a:pPr/>
-              <a:t>6</a:t>
+              <a:t>7</a:t>
             </a:fld>
             <a:endParaRPr lang="zh-TW" altLang="en-US" dirty="0"/>
           </a:p>
@@ -19476,7 +19875,7 @@
 </p:sld>
 </file>
 
-<file path=ppt/slides/slide7.xml><?xml version="1.0" encoding="utf-8"?>
+<file path=ppt/slides/slide8.xml><?xml version="1.0" encoding="utf-8"?>
 <p:sld xmlns:a="http://schemas.openxmlformats.org/drawingml/2006/main" xmlns:r="http://schemas.openxmlformats.org/officeDocument/2006/relationships" xmlns:p="http://schemas.openxmlformats.org/presentationml/2006/main">
   <p:cSld>
     <p:spTree>
@@ -19562,7 +19961,7 @@
             <a:fld id="{73DA0BB7-265A-403C-9275-D587AB510EDC}" type="slidenum">
               <a:rPr lang="zh-TW" altLang="en-US" smtClean="0"/>
               <a:pPr/>
-              <a:t>7</a:t>
+              <a:t>8</a:t>
             </a:fld>
             <a:endParaRPr lang="zh-TW" altLang="en-US" dirty="0"/>
           </a:p>
@@ -19700,7 +20099,7 @@
 </p:sld>
 </file>
 
-<file path=ppt/slides/slide8.xml><?xml version="1.0" encoding="utf-8"?>
+<file path=ppt/slides/slide9.xml><?xml version="1.0" encoding="utf-8"?>
 <p:sld xmlns:a="http://schemas.openxmlformats.org/drawingml/2006/main" xmlns:r="http://schemas.openxmlformats.org/officeDocument/2006/relationships" xmlns:p="http://schemas.openxmlformats.org/presentationml/2006/main">
   <p:cSld>
     <p:spTree>
@@ -19786,7 +20185,7 @@
             <a:fld id="{73DA0BB7-265A-403C-9275-D587AB510EDC}" type="slidenum">
               <a:rPr lang="zh-TW" altLang="en-US" smtClean="0"/>
               <a:pPr/>
-              <a:t>8</a:t>
+              <a:t>9</a:t>
             </a:fld>
             <a:endParaRPr lang="zh-TW" altLang="en-US" dirty="0"/>
           </a:p>
@@ -19884,186 +20283,6 @@
     <p:extLst>
       <p:ext uri="{BB962C8B-B14F-4D97-AF65-F5344CB8AC3E}">
         <p14:creationId xmlns:p14="http://schemas.microsoft.com/office/powerpoint/2010/main" val="3758652528"/>
-      </p:ext>
-    </p:extLst>
-  </p:cSld>
-  <p:clrMapOvr>
-    <a:masterClrMapping/>
-  </p:clrMapOvr>
-</p:sld>
-</file>
-
-<file path=ppt/slides/slide9.xml><?xml version="1.0" encoding="utf-8"?>
-<p:sld xmlns:a="http://schemas.openxmlformats.org/drawingml/2006/main" xmlns:r="http://schemas.openxmlformats.org/officeDocument/2006/relationships" xmlns:p="http://schemas.openxmlformats.org/presentationml/2006/main">
-  <p:cSld>
-    <p:spTree>
-      <p:nvGrpSpPr>
-        <p:cNvPr id="1" name=""/>
-        <p:cNvGrpSpPr/>
-        <p:nvPr/>
-      </p:nvGrpSpPr>
-      <p:grpSpPr>
-        <a:xfrm>
-          <a:off x="0" y="0"/>
-          <a:ext cx="0" cy="0"/>
-          <a:chOff x="0" y="0"/>
-          <a:chExt cx="0" cy="0"/>
-        </a:xfrm>
-      </p:grpSpPr>
-      <p:sp>
-        <p:nvSpPr>
-          <p:cNvPr id="2" name="標題 1">
-            <a:extLst>
-              <a:ext uri="{FF2B5EF4-FFF2-40B4-BE49-F238E27FC236}">
-                <a16:creationId xmlns:a16="http://schemas.microsoft.com/office/drawing/2014/main" id="{67D3CE9D-1E17-4672-B79D-737D1B68E8C1}"/>
-              </a:ext>
-            </a:extLst>
-          </p:cNvPr>
-          <p:cNvSpPr>
-            <a:spLocks noGrp="1"/>
-          </p:cNvSpPr>
-          <p:nvPr>
-            <p:ph type="title"/>
-          </p:nvPr>
-        </p:nvSpPr>
-        <p:spPr/>
-        <p:txBody>
-          <a:bodyPr/>
-          <a:lstStyle/>
-          <a:p>
-            <a:r>
-              <a:rPr lang="en-US" altLang="zh-TW" dirty="0"/>
-              <a:t>VA8801</a:t>
-            </a:r>
-            <a:r>
-              <a:rPr lang="zh-TW" altLang="en-US" dirty="0"/>
-              <a:t> </a:t>
-            </a:r>
-            <a:r>
-              <a:rPr lang="en-US" altLang="zh-TW" dirty="0"/>
-              <a:t>Model</a:t>
-            </a:r>
-            <a:r>
-              <a:rPr lang="zh-TW" altLang="en-US" dirty="0"/>
-              <a:t> </a:t>
-            </a:r>
-            <a:r>
-              <a:rPr lang="en-US" altLang="zh-TW" dirty="0"/>
-              <a:t>Zoo</a:t>
-            </a:r>
-            <a:endParaRPr lang="zh-TW" altLang="en-US" dirty="0"/>
-          </a:p>
-        </p:txBody>
-      </p:sp>
-      <p:sp>
-        <p:nvSpPr>
-          <p:cNvPr id="3" name="投影片編號版面配置區 2">
-            <a:extLst>
-              <a:ext uri="{FF2B5EF4-FFF2-40B4-BE49-F238E27FC236}">
-                <a16:creationId xmlns:a16="http://schemas.microsoft.com/office/drawing/2014/main" id="{9127E7B2-81A2-497F-8226-DCA555FEF7BE}"/>
-              </a:ext>
-            </a:extLst>
-          </p:cNvPr>
-          <p:cNvSpPr>
-            <a:spLocks noGrp="1"/>
-          </p:cNvSpPr>
-          <p:nvPr>
-            <p:ph type="sldNum" sz="quarter" idx="12"/>
-          </p:nvPr>
-        </p:nvSpPr>
-        <p:spPr/>
-        <p:txBody>
-          <a:bodyPr/>
-          <a:lstStyle/>
-          <a:p>
-            <a:fld id="{73DA0BB7-265A-403C-9275-D587AB510EDC}" type="slidenum">
-              <a:rPr lang="zh-TW" altLang="en-US" smtClean="0"/>
-              <a:pPr/>
-              <a:t>9</a:t>
-            </a:fld>
-            <a:endParaRPr lang="zh-TW" altLang="en-US" dirty="0"/>
-          </a:p>
-        </p:txBody>
-      </p:sp>
-      <p:sp>
-        <p:nvSpPr>
-          <p:cNvPr id="4" name="矩形 3">
-            <a:extLst>
-              <a:ext uri="{FF2B5EF4-FFF2-40B4-BE49-F238E27FC236}">
-                <a16:creationId xmlns:a16="http://schemas.microsoft.com/office/drawing/2014/main" id="{590A9D81-0486-466E-9265-BFFA05D30532}"/>
-              </a:ext>
-            </a:extLst>
-          </p:cNvPr>
-          <p:cNvSpPr/>
-          <p:nvPr/>
-        </p:nvSpPr>
-        <p:spPr>
-          <a:xfrm>
-            <a:off x="1259632" y="4646481"/>
-            <a:ext cx="7128792" cy="369332"/>
-          </a:xfrm>
-          <a:prstGeom prst="rect">
-            <a:avLst/>
-          </a:prstGeom>
-        </p:spPr>
-        <p:txBody>
-          <a:bodyPr wrap="square">
-            <a:spAutoFit/>
-          </a:bodyPr>
-          <a:lstStyle/>
-          <a:p>
-            <a:r>
-              <a:rPr lang="en-US" altLang="zh-TW" dirty="0"/>
-              <a:t>URL:</a:t>
-            </a:r>
-            <a:r>
-              <a:rPr lang="zh-TW" altLang="en-US" dirty="0"/>
-              <a:t> </a:t>
-            </a:r>
-            <a:r>
-              <a:rPr lang="zh-TW" altLang="en-US" dirty="0">
-                <a:hlinkClick r:id="rId2"/>
-              </a:rPr>
-              <a:t>https://github.com/FITI-HCITA/VA8801_Model_Zoo/</a:t>
-            </a:r>
-            <a:endParaRPr lang="zh-TW" altLang="en-US" dirty="0"/>
-          </a:p>
-        </p:txBody>
-      </p:sp>
-      <p:pic>
-        <p:nvPicPr>
-          <p:cNvPr id="5" name="圖片 4">
-            <a:extLst>
-              <a:ext uri="{FF2B5EF4-FFF2-40B4-BE49-F238E27FC236}">
-                <a16:creationId xmlns:a16="http://schemas.microsoft.com/office/drawing/2014/main" id="{A0414EA6-2AFE-460E-B904-7223A12A490C}"/>
-              </a:ext>
-            </a:extLst>
-          </p:cNvPr>
-          <p:cNvPicPr>
-            <a:picLocks noChangeAspect="1"/>
-          </p:cNvPicPr>
-          <p:nvPr/>
-        </p:nvPicPr>
-        <p:blipFill>
-          <a:blip r:embed="rId3"/>
-          <a:stretch>
-            <a:fillRect/>
-          </a:stretch>
-        </p:blipFill>
-        <p:spPr>
-          <a:xfrm>
-            <a:off x="827584" y="704334"/>
-            <a:ext cx="6552728" cy="3734831"/>
-          </a:xfrm>
-          <a:prstGeom prst="rect">
-            <a:avLst/>
-          </a:prstGeom>
-        </p:spPr>
-      </p:pic>
-    </p:spTree>
-    <p:extLst>
-      <p:ext uri="{BB962C8B-B14F-4D97-AF65-F5344CB8AC3E}">
-        <p14:creationId xmlns:p14="http://schemas.microsoft.com/office/powerpoint/2010/main" val="4156435739"/>
       </p:ext>
     </p:extLst>
   </p:cSld>
